--- a/ECON322Present.pptx
+++ b/ECON322Present.pptx
@@ -207,7 +207,7 @@
           <a:p>
             <a:fld id="{98744975-97F2-9C4B-9583-78EC1E6DEAA7}" type="datetimeFigureOut">
               <a:rPr lang="en-US" smtClean="0"/>
-              <a:t>5/2/14</a:t>
+              <a:t>6/5/14</a:t>
             </a:fld>
             <a:endParaRPr lang="en-US"/>
           </a:p>
@@ -1238,7 +1238,7 @@
           <a:p>
             <a:fld id="{D19C005E-6DF1-5043-B929-8B6F64D983A2}" type="datetimeFigureOut">
               <a:rPr lang="en-US" smtClean="0"/>
-              <a:t>5/2/14</a:t>
+              <a:t>6/5/14</a:t>
             </a:fld>
             <a:endParaRPr lang="en-US"/>
           </a:p>
@@ -1421,7 +1421,7 @@
           <a:p>
             <a:fld id="{D19C005E-6DF1-5043-B929-8B6F64D983A2}" type="datetimeFigureOut">
               <a:rPr lang="en-US" smtClean="0"/>
-              <a:t>5/2/14</a:t>
+              <a:t>6/5/14</a:t>
             </a:fld>
             <a:endParaRPr lang="en-US"/>
           </a:p>
@@ -1596,7 +1596,7 @@
           <a:p>
             <a:fld id="{D19C005E-6DF1-5043-B929-8B6F64D983A2}" type="datetimeFigureOut">
               <a:rPr lang="en-US" smtClean="0"/>
-              <a:t>5/2/14</a:t>
+              <a:t>6/5/14</a:t>
             </a:fld>
             <a:endParaRPr lang="en-US"/>
           </a:p>
@@ -1761,7 +1761,7 @@
           <a:p>
             <a:fld id="{D19C005E-6DF1-5043-B929-8B6F64D983A2}" type="datetimeFigureOut">
               <a:rPr lang="en-US" smtClean="0"/>
-              <a:t>5/2/14</a:t>
+              <a:t>6/5/14</a:t>
             </a:fld>
             <a:endParaRPr lang="en-US"/>
           </a:p>
@@ -1982,7 +1982,7 @@
           <a:p>
             <a:fld id="{D19C005E-6DF1-5043-B929-8B6F64D983A2}" type="datetimeFigureOut">
               <a:rPr lang="en-US" smtClean="0"/>
-              <a:t>5/2/14</a:t>
+              <a:t>6/5/14</a:t>
             </a:fld>
             <a:endParaRPr lang="en-US"/>
           </a:p>
@@ -2241,7 +2241,7 @@
           <a:p>
             <a:fld id="{D19C005E-6DF1-5043-B929-8B6F64D983A2}" type="datetimeFigureOut">
               <a:rPr lang="en-US" smtClean="0"/>
-              <a:t>5/2/14</a:t>
+              <a:t>6/5/14</a:t>
             </a:fld>
             <a:endParaRPr lang="en-US"/>
           </a:p>
@@ -2645,7 +2645,7 @@
           <a:p>
             <a:fld id="{D19C005E-6DF1-5043-B929-8B6F64D983A2}" type="datetimeFigureOut">
               <a:rPr lang="en-US" smtClean="0"/>
-              <a:t>5/2/14</a:t>
+              <a:t>6/5/14</a:t>
             </a:fld>
             <a:endParaRPr lang="en-US"/>
           </a:p>
@@ -2776,7 +2776,7 @@
           <a:p>
             <a:fld id="{D19C005E-6DF1-5043-B929-8B6F64D983A2}" type="datetimeFigureOut">
               <a:rPr lang="en-US" smtClean="0"/>
-              <a:t>5/2/14</a:t>
+              <a:t>6/5/14</a:t>
             </a:fld>
             <a:endParaRPr lang="en-US"/>
           </a:p>
@@ -2876,7 +2876,7 @@
           <a:p>
             <a:fld id="{D19C005E-6DF1-5043-B929-8B6F64D983A2}" type="datetimeFigureOut">
               <a:rPr lang="en-US" smtClean="0"/>
-              <a:t>5/2/14</a:t>
+              <a:t>6/5/14</a:t>
             </a:fld>
             <a:endParaRPr lang="en-US"/>
           </a:p>
@@ -3121,7 +3121,7 @@
           <a:p>
             <a:fld id="{D19C005E-6DF1-5043-B929-8B6F64D983A2}" type="datetimeFigureOut">
               <a:rPr lang="en-US" smtClean="0"/>
-              <a:t>5/2/14</a:t>
+              <a:t>6/5/14</a:t>
             </a:fld>
             <a:endParaRPr lang="en-US"/>
           </a:p>
@@ -3365,7 +3365,7 @@
           <a:p>
             <a:fld id="{D19C005E-6DF1-5043-B929-8B6F64D983A2}" type="datetimeFigureOut">
               <a:rPr lang="en-US" smtClean="0"/>
-              <a:t>5/2/14</a:t>
+              <a:t>6/5/14</a:t>
             </a:fld>
             <a:endParaRPr lang="en-US"/>
           </a:p>
@@ -4189,7 +4189,7 @@
           <a:p>
             <a:fld id="{D19C005E-6DF1-5043-B929-8B6F64D983A2}" type="datetimeFigureOut">
               <a:rPr lang="en-US" smtClean="0"/>
-              <a:t>5/2/14</a:t>
+              <a:t>6/5/14</a:t>
             </a:fld>
             <a:endParaRPr lang="en-US"/>
           </a:p>
@@ -4653,11 +4653,11 @@
   <p:clrMapOvr>
     <a:masterClrMapping/>
   </p:clrMapOvr>
-  <mc:AlternateContent xmlns:mc="http://schemas.openxmlformats.org/markup-compatibility/2006">
-    <mc:Choice xmlns:p14="http://schemas.microsoft.com/office/powerpoint/2010/main" Requires="p14">
+  <mc:AlternateContent xmlns:mc="http://schemas.openxmlformats.org/markup-compatibility/2006" xmlns:p14="http://schemas.microsoft.com/office/powerpoint/2010/main">
+    <mc:Choice Requires="p14">
       <p:transition spd="slow" p14:dur="2000" advTm="4074"/>
     </mc:Choice>
-    <mc:Fallback>
+    <mc:Fallback xmlns="">
       <p:transition xmlns:p14="http://schemas.microsoft.com/office/powerpoint/2010/main" spd="slow" advTm="4074"/>
     </mc:Fallback>
   </mc:AlternateContent>
@@ -4954,7 +4954,11 @@
           <a:p>
             <a:r>
               <a:rPr lang="en-US" dirty="0" smtClean="0"/>
-              <a:t>My topic: Methodology</a:t>
+              <a:t>My</a:t>
+            </a:r>
+            <a:r>
+              <a:rPr lang="en-US" dirty="0" smtClean="0"/>
+              <a:t> topic: Methodology</a:t>
             </a:r>
             <a:endParaRPr lang="en-US" dirty="0"/>
           </a:p>
@@ -5075,7 +5079,11 @@
           <a:bodyPr/>
           <a:lstStyle/>
           <a:p>
-            <a:endParaRPr lang="en-US"/>
+            <a:r>
+              <a:rPr lang="en-US" dirty="0"/>
+              <a:t>My topic: Methodology</a:t>
+            </a:r>
+            <a:endParaRPr lang="en-US" dirty="0"/>
           </a:p>
         </p:txBody>
       </p:sp>
@@ -5750,17 +5758,13 @@
         <p:spPr/>
         <p:txBody>
           <a:bodyPr>
-            <a:normAutofit fontScale="92500" lnSpcReduction="10000"/>
+            <a:normAutofit/>
           </a:bodyPr>
           <a:lstStyle/>
           <a:p>
             <a:r>
-              <a:rPr lang="en-US" dirty="0"/>
-              <a:t> </a:t>
-            </a:r>
-            <a:r>
               <a:rPr lang="en-US" sz="2000" dirty="0"/>
-              <a:t>MACFIE, BRIAN P. "The Impact of Utility Deregulation in Arizona." </a:t>
+              <a:t> MACFIE, BRIAN P. "The Impact of Utility Deregulation in Arizona." </a:t>
             </a:r>
             <a:r>
               <a:rPr lang="en-US" sz="2000" i="1" dirty="0"/>
@@ -5780,38 +5784,38 @@
           </a:p>
           <a:p>
             <a:r>
-              <a:rPr lang="en-US" dirty="0" smtClean="0"/>
+              <a:rPr lang="en-US" sz="2000" dirty="0" smtClean="0"/>
               <a:t>Deregulation of utility prices (</a:t>
             </a:r>
             <a:r>
-              <a:rPr lang="en-US" dirty="0" err="1" smtClean="0"/>
+              <a:rPr lang="en-US" sz="2000" dirty="0" err="1" smtClean="0"/>
               <a:t>gas,eletricity</a:t>
             </a:r>
             <a:r>
-              <a:rPr lang="en-US" dirty="0" smtClean="0"/>
+              <a:rPr lang="en-US" sz="2000" dirty="0" smtClean="0"/>
               <a:t>) to increase short term price elasticity and industry competitiveness</a:t>
             </a:r>
           </a:p>
           <a:p>
-            <a:endParaRPr lang="en-US" dirty="0" smtClean="0"/>
-          </a:p>
-          <a:p>
-            <a:r>
-              <a:rPr lang="en-US" dirty="0" smtClean="0"/>
+            <a:endParaRPr lang="en-US" sz="2000" dirty="0" smtClean="0"/>
+          </a:p>
+          <a:p>
+            <a:r>
+              <a:rPr lang="en-US" sz="2000" dirty="0" smtClean="0"/>
               <a:t>Used time series natural log transform OLS model</a:t>
             </a:r>
           </a:p>
           <a:p>
-            <a:endParaRPr lang="en-US" dirty="0" smtClean="0"/>
-          </a:p>
-          <a:p>
-            <a:r>
-              <a:rPr lang="en-US" dirty="0"/>
-              <a:t>P</a:t>
-            </a:r>
-            <a:r>
-              <a:rPr lang="en-US" dirty="0" smtClean="0"/>
-              <a:t>rice has for gas and electricity has not become significantly more elastic</a:t>
+            <a:endParaRPr lang="en-US" sz="2000" dirty="0" smtClean="0"/>
+          </a:p>
+          <a:p>
+            <a:r>
+              <a:rPr lang="en-US" sz="2000" dirty="0" smtClean="0"/>
+              <a:t>Prices </a:t>
+            </a:r>
+            <a:r>
+              <a:rPr lang="en-US" sz="2000" dirty="0" smtClean="0"/>
+              <a:t>for gas and electricity has not become significantly more elastic</a:t>
             </a:r>
           </a:p>
           <a:p>
@@ -6342,11 +6346,7 @@
           <a:p>
             <a:r>
               <a:rPr lang="en-US" dirty="0"/>
-              <a:t>Nine out of thirteen studies conducted before 1980 find little to no empirical evidence that backs up the monopsony model, hence, the monopsony argument is inconclusive (West and McKee, 1980).</a:t>
-            </a:r>
-            <a:r>
-              <a:rPr lang="en-US" dirty="0"/>
-              <a:t> </a:t>
+              <a:t>Nine out of thirteen studies conducted before 1980 find little to no empirical evidence that backs up the monopsony model, hence, the monopsony argument is inconclusive (West and McKee, 1980). </a:t>
             </a:r>
           </a:p>
         </p:txBody>
